--- a/result/06월12일(Packing Detection).pptx
+++ b/result/06월12일(Packing Detection).pptx
@@ -5,10 +5,10 @@
     <p:sldMasterId id="2147483648" r:id="rId4"/>
   </p:sldMasterIdLst>
   <p:notesMasterIdLst>
-    <p:notesMasterId r:id="rId18"/>
+    <p:notesMasterId r:id="rId19"/>
   </p:notesMasterIdLst>
   <p:handoutMasterIdLst>
-    <p:handoutMasterId r:id="rId19"/>
+    <p:handoutMasterId r:id="rId20"/>
   </p:handoutMasterIdLst>
   <p:sldIdLst>
     <p:sldId id="256" r:id="rId5"/>
@@ -21,9 +21,10 @@
     <p:sldId id="262" r:id="rId12"/>
     <p:sldId id="263" r:id="rId13"/>
     <p:sldId id="266" r:id="rId14"/>
-    <p:sldId id="268" r:id="rId15"/>
-    <p:sldId id="267" r:id="rId16"/>
-    <p:sldId id="264" r:id="rId17"/>
+    <p:sldId id="264" r:id="rId15"/>
+    <p:sldId id="268" r:id="rId16"/>
+    <p:sldId id="267" r:id="rId17"/>
+    <p:sldId id="270" r:id="rId18"/>
   </p:sldIdLst>
   <p:sldSz cx="12192000" cy="6858000"/>
   <p:notesSz cx="6858000" cy="9144000"/>
@@ -234,7 +235,7 @@
                 <a:latin typeface="맑은 고딕" panose="020B0503020000020004" pitchFamily="50" charset="-127"/>
                 <a:ea typeface="맑은 고딕" panose="020B0503020000020004" pitchFamily="50" charset="-127"/>
               </a:rPr>
-              <a:t>2018-06-11</a:t>
+              <a:t>2018-06-12</a:t>
             </a:fld>
             <a:endParaRPr lang="ko-KR" altLang="en-US" dirty="0">
               <a:latin typeface="맑은 고딕" panose="020B0503020000020004" pitchFamily="50" charset="-127"/>
@@ -420,7 +421,7 @@
             <a:fld id="{AC4B8597-254F-49AD-A3EA-87B1F2810CBA}" type="datetime1">
               <a:rPr lang="ko-KR" altLang="en-US" smtClean="0"/>
               <a:pPr/>
-              <a:t>2018-06-11</a:t>
+              <a:t>2018-06-12</a:t>
             </a:fld>
             <a:endParaRPr lang="ko-KR" altLang="en-US" dirty="0"/>
           </a:p>
@@ -1270,7 +1271,7 @@
           <a:p>
             <a:fld id="{A213187B-E433-47CF-B5B9-9745973B6A3E}" type="datetime1">
               <a:rPr lang="ko-KR" altLang="en-US" smtClean="0"/>
-              <a:t>2018-06-11</a:t>
+              <a:t>2018-06-12</a:t>
             </a:fld>
             <a:endParaRPr lang="ko-KR" altLang="en-US" dirty="0"/>
           </a:p>
@@ -1570,7 +1571,7 @@
           <a:p>
             <a:fld id="{CBF86CE6-94BC-4A90-A0DE-9B9BCF31088B}" type="datetime1">
               <a:rPr lang="ko-KR" altLang="en-US" smtClean="0"/>
-              <a:t>2018-06-11</a:t>
+              <a:t>2018-06-12</a:t>
             </a:fld>
             <a:endParaRPr lang="ko-KR" altLang="en-US" dirty="0"/>
           </a:p>
@@ -1860,7 +1861,7 @@
           <a:p>
             <a:fld id="{44C6C067-E69C-468F-A6A4-D0E290863A0A}" type="datetime1">
               <a:rPr lang="ko-KR" altLang="en-US" smtClean="0"/>
-              <a:t>2018-06-11</a:t>
+              <a:t>2018-06-12</a:t>
             </a:fld>
             <a:endParaRPr lang="ko-KR" altLang="en-US" dirty="0"/>
           </a:p>
@@ -2182,7 +2183,7 @@
           <a:p>
             <a:fld id="{52D7C12B-1715-4EB1-A995-7E9128224472}" type="datetime1">
               <a:rPr lang="ko-KR" altLang="en-US" smtClean="0"/>
-              <a:t>2018-06-11</a:t>
+              <a:t>2018-06-12</a:t>
             </a:fld>
             <a:endParaRPr lang="ko-KR" altLang="en-US" dirty="0"/>
           </a:p>
@@ -2684,7 +2685,7 @@
           <a:p>
             <a:fld id="{334A74FC-65CC-4A78-A9B5-B0A083CA434E}" type="datetime1">
               <a:rPr lang="ko-KR" altLang="en-US" smtClean="0"/>
-              <a:t>2018-06-11</a:t>
+              <a:t>2018-06-12</a:t>
             </a:fld>
             <a:endParaRPr lang="ko-KR" altLang="en-US" dirty="0"/>
           </a:p>
@@ -3326,7 +3327,7 @@
           <a:p>
             <a:fld id="{F089833F-471B-47BB-952B-AA715254CFC3}" type="datetime1">
               <a:rPr lang="ko-KR" altLang="en-US" noProof="0" smtClean="0"/>
-              <a:t>2018-06-11</a:t>
+              <a:t>2018-06-12</a:t>
             </a:fld>
             <a:endParaRPr lang="ko-KR" altLang="en-US" noProof="0" dirty="0"/>
           </a:p>
@@ -3466,7 +3467,7 @@
           <a:p>
             <a:fld id="{90E7D78A-4BAC-4EEA-8342-61FC9D2F58B7}" type="datetime1">
               <a:rPr lang="ko-KR" altLang="en-US" smtClean="0"/>
-              <a:t>2018-06-11</a:t>
+              <a:t>2018-06-12</a:t>
             </a:fld>
             <a:endParaRPr lang="ko-KR" altLang="en-US" dirty="0"/>
           </a:p>
@@ -3627,7 +3628,7 @@
           <a:p>
             <a:fld id="{28506CB4-C810-432B-8802-550F9505EF5F}" type="datetime1">
               <a:rPr lang="ko-KR" altLang="en-US" smtClean="0"/>
-              <a:t>2018-06-11</a:t>
+              <a:t>2018-06-12</a:t>
             </a:fld>
             <a:endParaRPr lang="ko-KR" altLang="en-US" dirty="0"/>
           </a:p>
@@ -4029,7 +4030,7 @@
           <a:p>
             <a:fld id="{89312991-445D-4506-BB0A-85E2E8D3BA63}" type="datetime1">
               <a:rPr lang="ko-KR" altLang="en-US" smtClean="0"/>
-              <a:t>2018-06-11</a:t>
+              <a:t>2018-06-12</a:t>
             </a:fld>
             <a:endParaRPr lang="ko-KR" altLang="en-US" dirty="0"/>
           </a:p>
@@ -4326,7 +4327,7 @@
           <a:p>
             <a:fld id="{26FAB2A4-627D-483E-BEE5-F436ACEA6581}" type="datetime1">
               <a:rPr lang="ko-KR" altLang="en-US" smtClean="0"/>
-              <a:t>2018-06-11</a:t>
+              <a:t>2018-06-12</a:t>
             </a:fld>
             <a:endParaRPr lang="ko-KR" altLang="en-US" dirty="0"/>
           </a:p>
@@ -4646,7 +4647,7 @@
           <a:p>
             <a:fld id="{CCA0CCB6-7C2E-4D65-BF7C-DD1AAFDD3B38}" type="datetime1">
               <a:rPr lang="ko-KR" altLang="en-US" smtClean="0"/>
-              <a:t>2018-06-11</a:t>
+              <a:t>2018-06-12</a:t>
             </a:fld>
             <a:endParaRPr lang="ko-KR" altLang="en-US" dirty="0"/>
           </a:p>
@@ -5236,6 +5237,274 @@
           <a:p>
             <a:r>
               <a:rPr lang="ko-KR" altLang="en-US" dirty="0" smtClean="0"/>
+              <a:t>결과</a:t>
+            </a:r>
+            <a:endParaRPr lang="ko-KR" altLang="en-US" dirty="0"/>
+          </a:p>
+        </p:txBody>
+      </p:sp>
+      <p:graphicFrame>
+        <p:nvGraphicFramePr>
+          <p:cNvPr id="7" name="표 6"/>
+          <p:cNvGraphicFramePr>
+            <a:graphicFrameLocks noGrp="1"/>
+          </p:cNvGraphicFramePr>
+          <p:nvPr>
+            <p:extLst>
+              <p:ext uri="{D42A27DB-BD31-4B8C-83A1-F6EECF244321}">
+                <p14:modId xmlns:p14="http://schemas.microsoft.com/office/powerpoint/2010/main" val="4022943280"/>
+              </p:ext>
+            </p:extLst>
+          </p:nvPr>
+        </p:nvGraphicFramePr>
+        <p:xfrm>
+          <a:off x="1475231" y="1987634"/>
+          <a:ext cx="8741664" cy="4047405"/>
+        </p:xfrm>
+        <a:graphic>
+          <a:graphicData uri="http://schemas.openxmlformats.org/drawingml/2006/table">
+            <a:tbl>
+              <a:tblPr firstRow="1" firstCol="1" bandRow="1">
+                <a:tableStyleId>{5C22544A-7EE6-4342-B048-85BDC9FD1C3A}</a:tableStyleId>
+              </a:tblPr>
+              <a:tblGrid>
+                <a:gridCol w="2913888">
+                  <a:extLst>
+                    <a:ext uri="{9D8B030D-6E8A-4147-A177-3AD203B41FA5}">
+                      <a16:colId xmlns:a16="http://schemas.microsoft.com/office/drawing/2014/main" val="3770961450"/>
+                    </a:ext>
+                  </a:extLst>
+                </a:gridCol>
+                <a:gridCol w="2913888">
+                  <a:extLst>
+                    <a:ext uri="{9D8B030D-6E8A-4147-A177-3AD203B41FA5}">
+                      <a16:colId xmlns:a16="http://schemas.microsoft.com/office/drawing/2014/main" val="1428874444"/>
+                    </a:ext>
+                  </a:extLst>
+                </a:gridCol>
+                <a:gridCol w="2913888">
+                  <a:extLst>
+                    <a:ext uri="{9D8B030D-6E8A-4147-A177-3AD203B41FA5}">
+                      <a16:colId xmlns:a16="http://schemas.microsoft.com/office/drawing/2014/main" val="1804977019"/>
+                    </a:ext>
+                  </a:extLst>
+                </a:gridCol>
+              </a:tblGrid>
+              <a:tr h="1349135">
+                <a:tc>
+                  <a:txBody>
+                    <a:bodyPr/>
+                    <a:lstStyle/>
+                    <a:p>
+                      <a:pPr latinLnBrk="1"/>
+                      <a:endParaRPr lang="ko-KR" altLang="en-US" sz="3600" dirty="0"/>
+                    </a:p>
+                  </a:txBody>
+                  <a:tcPr/>
+                </a:tc>
+                <a:tc>
+                  <a:txBody>
+                    <a:bodyPr/>
+                    <a:lstStyle/>
+                    <a:p>
+                      <a:pPr latinLnBrk="1"/>
+                      <a:r>
+                        <a:rPr lang="en-US" altLang="ko-KR" sz="3600" dirty="0" smtClean="0"/>
+                        <a:t>No packing</a:t>
+                      </a:r>
+                      <a:endParaRPr lang="ko-KR" altLang="en-US" sz="3600" dirty="0"/>
+                    </a:p>
+                  </a:txBody>
+                  <a:tcPr/>
+                </a:tc>
+                <a:tc>
+                  <a:txBody>
+                    <a:bodyPr/>
+                    <a:lstStyle/>
+                    <a:p>
+                      <a:pPr latinLnBrk="1"/>
+                      <a:r>
+                        <a:rPr lang="en-US" altLang="ko-KR" sz="3600" dirty="0" smtClean="0"/>
+                        <a:t>packing</a:t>
+                      </a:r>
+                      <a:endParaRPr lang="ko-KR" altLang="en-US" sz="3600" dirty="0"/>
+                    </a:p>
+                  </a:txBody>
+                  <a:tcPr/>
+                </a:tc>
+                <a:extLst>
+                  <a:ext uri="{0D108BD9-81ED-4DB2-BD59-A6C34878D82A}">
+                    <a16:rowId xmlns:a16="http://schemas.microsoft.com/office/drawing/2014/main" val="584294173"/>
+                  </a:ext>
+                </a:extLst>
+              </a:tr>
+              <a:tr h="1349135">
+                <a:tc>
+                  <a:txBody>
+                    <a:bodyPr/>
+                    <a:lstStyle/>
+                    <a:p>
+                      <a:pPr latinLnBrk="1"/>
+                      <a:r>
+                        <a:rPr lang="en-US" altLang="ko-KR" sz="3600" dirty="0" smtClean="0"/>
+                        <a:t>No Packing</a:t>
+                      </a:r>
+                      <a:endParaRPr lang="ko-KR" altLang="en-US" sz="3600" dirty="0"/>
+                    </a:p>
+                  </a:txBody>
+                  <a:tcPr/>
+                </a:tc>
+                <a:tc>
+                  <a:txBody>
+                    <a:bodyPr/>
+                    <a:lstStyle/>
+                    <a:p>
+                      <a:pPr latinLnBrk="1"/>
+                      <a:r>
+                        <a:rPr lang="en-US" altLang="ko-KR" sz="3600" dirty="0" smtClean="0"/>
+                        <a:t>99.98%(13998)</a:t>
+                      </a:r>
+                      <a:endParaRPr lang="ko-KR" altLang="en-US" sz="3600" dirty="0"/>
+                    </a:p>
+                  </a:txBody>
+                  <a:tcPr/>
+                </a:tc>
+                <a:tc>
+                  <a:txBody>
+                    <a:bodyPr/>
+                    <a:lstStyle/>
+                    <a:p>
+                      <a:pPr latinLnBrk="1"/>
+                      <a:r>
+                        <a:rPr lang="en-US" altLang="ko-KR" sz="3600" dirty="0" smtClean="0"/>
+                        <a:t>0.014%(2)</a:t>
+                      </a:r>
+                      <a:endParaRPr lang="ko-KR" altLang="en-US" sz="3600" dirty="0"/>
+                    </a:p>
+                  </a:txBody>
+                  <a:tcPr/>
+                </a:tc>
+                <a:extLst>
+                  <a:ext uri="{0D108BD9-81ED-4DB2-BD59-A6C34878D82A}">
+                    <a16:rowId xmlns:a16="http://schemas.microsoft.com/office/drawing/2014/main" val="1288900319"/>
+                  </a:ext>
+                </a:extLst>
+              </a:tr>
+              <a:tr h="1349135">
+                <a:tc>
+                  <a:txBody>
+                    <a:bodyPr/>
+                    <a:lstStyle/>
+                    <a:p>
+                      <a:pPr latinLnBrk="1"/>
+                      <a:r>
+                        <a:rPr lang="en-US" altLang="ko-KR" sz="3600" dirty="0" smtClean="0"/>
+                        <a:t>packing</a:t>
+                      </a:r>
+                      <a:endParaRPr lang="ko-KR" altLang="en-US" sz="3600" dirty="0"/>
+                    </a:p>
+                  </a:txBody>
+                  <a:tcPr/>
+                </a:tc>
+                <a:tc>
+                  <a:txBody>
+                    <a:bodyPr/>
+                    <a:lstStyle/>
+                    <a:p>
+                      <a:pPr latinLnBrk="1"/>
+                      <a:r>
+                        <a:rPr lang="en-US" altLang="ko-KR" sz="3600" dirty="0" smtClean="0"/>
+                        <a:t>0.007%(1)</a:t>
+                      </a:r>
+                      <a:endParaRPr lang="ko-KR" altLang="en-US" sz="3600" dirty="0"/>
+                    </a:p>
+                  </a:txBody>
+                  <a:tcPr/>
+                </a:tc>
+                <a:tc>
+                  <a:txBody>
+                    <a:bodyPr/>
+                    <a:lstStyle/>
+                    <a:p>
+                      <a:pPr latinLnBrk="1"/>
+                      <a:r>
+                        <a:rPr lang="en-US" altLang="ko-KR" sz="3600" dirty="0" smtClean="0"/>
+                        <a:t>99.27%(13899)</a:t>
+                      </a:r>
+                      <a:endParaRPr lang="ko-KR" altLang="en-US" sz="3600" dirty="0"/>
+                    </a:p>
+                  </a:txBody>
+                  <a:tcPr/>
+                </a:tc>
+                <a:extLst>
+                  <a:ext uri="{0D108BD9-81ED-4DB2-BD59-A6C34878D82A}">
+                    <a16:rowId xmlns:a16="http://schemas.microsoft.com/office/drawing/2014/main" val="2329503092"/>
+                  </a:ext>
+                </a:extLst>
+              </a:tr>
+            </a:tbl>
+          </a:graphicData>
+        </a:graphic>
+      </p:graphicFrame>
+    </p:spTree>
+    <p:extLst>
+      <p:ext uri="{BB962C8B-B14F-4D97-AF65-F5344CB8AC3E}">
+        <p14:creationId xmlns:p14="http://schemas.microsoft.com/office/powerpoint/2010/main" val="405916472"/>
+      </p:ext>
+    </p:extLst>
+  </p:cSld>
+  <p:clrMapOvr>
+    <a:masterClrMapping/>
+  </p:clrMapOvr>
+  <mc:AlternateContent xmlns:mc="http://schemas.openxmlformats.org/markup-compatibility/2006" xmlns:p14="http://schemas.microsoft.com/office/powerpoint/2010/main">
+    <mc:Choice Requires="p14">
+      <p:transition spd="med" p14:dur="700">
+        <p:fade/>
+      </p:transition>
+    </mc:Choice>
+    <mc:Fallback xmlns="">
+      <p:transition spd="med">
+        <p:fade/>
+      </p:transition>
+    </mc:Fallback>
+  </mc:AlternateContent>
+</p:sld>
+</file>
+
+<file path=ppt/slides/slide12.xml><?xml version="1.0" encoding="utf-8"?>
+<p:sld xmlns:a="http://schemas.openxmlformats.org/drawingml/2006/main" xmlns:r="http://schemas.openxmlformats.org/officeDocument/2006/relationships" xmlns:p="http://schemas.openxmlformats.org/presentationml/2006/main">
+  <p:cSld>
+    <p:spTree>
+      <p:nvGrpSpPr>
+        <p:cNvPr id="1" name=""/>
+        <p:cNvGrpSpPr/>
+        <p:nvPr/>
+      </p:nvGrpSpPr>
+      <p:grpSpPr>
+        <a:xfrm>
+          <a:off x="0" y="0"/>
+          <a:ext cx="0" cy="0"/>
+          <a:chOff x="0" y="0"/>
+          <a:chExt cx="0" cy="0"/>
+        </a:xfrm>
+      </p:grpSpPr>
+      <p:sp>
+        <p:nvSpPr>
+          <p:cNvPr id="2" name="제목 1"/>
+          <p:cNvSpPr>
+            <a:spLocks noGrp="1"/>
+          </p:cNvSpPr>
+          <p:nvPr>
+            <p:ph type="title"/>
+          </p:nvPr>
+        </p:nvSpPr>
+        <p:spPr/>
+        <p:txBody>
+          <a:bodyPr/>
+          <a:lstStyle/>
+          <a:p>
+            <a:r>
+              <a:rPr lang="ko-KR" altLang="en-US" dirty="0" smtClean="0"/>
               <a:t>역할</a:t>
             </a:r>
             <a:endParaRPr lang="ko-KR" altLang="en-US" dirty="0"/>
@@ -5392,7 +5661,7 @@
 </p:sld>
 </file>
 
-<file path=ppt/slides/slide12.xml><?xml version="1.0" encoding="utf-8"?>
+<file path=ppt/slides/slide13.xml><?xml version="1.0" encoding="utf-8"?>
 <p:sld xmlns:a="http://schemas.openxmlformats.org/drawingml/2006/main" xmlns:r="http://schemas.openxmlformats.org/officeDocument/2006/relationships" xmlns:p="http://schemas.openxmlformats.org/presentationml/2006/main">
   <p:cSld>
     <p:spTree>
@@ -5458,7 +5727,7 @@
 </p:sld>
 </file>
 
-<file path=ppt/slides/slide13.xml><?xml version="1.0" encoding="utf-8"?>
+<file path=ppt/slides/slide14.xml><?xml version="1.0" encoding="utf-8"?>
 <p:sld xmlns:a="http://schemas.openxmlformats.org/drawingml/2006/main" xmlns:r="http://schemas.openxmlformats.org/officeDocument/2006/relationships" xmlns:p="http://schemas.openxmlformats.org/presentationml/2006/main">
   <p:cSld>
     <p:spTree>
@@ -5492,35 +5761,11 @@
           <a:p>
             <a:r>
               <a:rPr lang="ko-KR" altLang="en-US" dirty="0" smtClean="0"/>
-              <a:t>결과</a:t>
-            </a:r>
-            <a:endParaRPr lang="ko-KR" altLang="en-US" dirty="0"/>
-          </a:p>
-        </p:txBody>
-      </p:sp>
-      <p:sp>
-        <p:nvSpPr>
-          <p:cNvPr id="3" name="내용 개체 틀 2"/>
-          <p:cNvSpPr>
-            <a:spLocks noGrp="1"/>
-          </p:cNvSpPr>
-          <p:nvPr>
-            <p:ph idx="1"/>
-          </p:nvPr>
-        </p:nvSpPr>
-        <p:spPr>
-          <a:xfrm>
-            <a:off x="1341120" y="1901952"/>
-            <a:ext cx="9509760" cy="551881"/>
-          </a:xfrm>
-        </p:spPr>
-        <p:txBody>
-          <a:bodyPr/>
-          <a:lstStyle/>
-          <a:p>
+              <a:t>감사합니다</a:t>
+            </a:r>
             <a:r>
               <a:rPr lang="en-US" altLang="ko-KR" dirty="0" smtClean="0"/>
-              <a:t>Accuracy 99.8%</a:t>
+              <a:t>.</a:t>
             </a:r>
             <a:endParaRPr lang="ko-KR" altLang="en-US" dirty="0"/>
           </a:p>
@@ -5529,7 +5774,7 @@
     </p:spTree>
     <p:extLst>
       <p:ext uri="{BB962C8B-B14F-4D97-AF65-F5344CB8AC3E}">
-        <p14:creationId xmlns:p14="http://schemas.microsoft.com/office/powerpoint/2010/main" val="405916472"/>
+        <p14:creationId xmlns:p14="http://schemas.microsoft.com/office/powerpoint/2010/main" val="3120992737"/>
       </p:ext>
     </p:extLst>
   </p:cSld>
@@ -9227,14 +9472,12 @@
 </file>
 
 <file path=customXml/item1.xml><?xml version="1.0" encoding="utf-8"?>
-<p:properties xmlns:p="http://schemas.microsoft.com/office/2006/metadata/properties" xmlns:xsi="http://www.w3.org/2001/XMLSchema-instance" xmlns:pc="http://schemas.microsoft.com/office/infopath/2007/PartnerControls">
-  <documentManagement>
-    <VSO_x0020_item_x0020_id xmlns="40262f94-9f35-4ac3-9a90-690165a166b7" xsi:nil="true"/>
-    <Assetid_x0020_ xmlns="40262f94-9f35-4ac3-9a90-690165a166b7" xsi:nil="true"/>
-    <Item_x0020_Details xmlns="40262f94-9f35-4ac3-9a90-690165a166b7" xsi:nil="true"/>
-    <Template_x0020_details xmlns="40262f94-9f35-4ac3-9a90-690165a166b7" xsi:nil="true"/>
-  </documentManagement>
-</p:properties>
+<?mso-contentType ?>
+<FormTemplates xmlns="http://schemas.microsoft.com/sharepoint/v3/contenttype/forms">
+  <Display>DocumentLibraryForm</Display>
+  <Edit>DocumentLibraryForm</Edit>
+  <New>DocumentLibraryForm</New>
+</FormTemplates>
 </file>
 
 <file path=customXml/item2.xml><?xml version="1.0" encoding="utf-8"?>
@@ -9419,27 +9662,20 @@
 </file>
 
 <file path=customXml/item3.xml><?xml version="1.0" encoding="utf-8"?>
-<?mso-contentType ?>
-<FormTemplates xmlns="http://schemas.microsoft.com/sharepoint/v3/contenttype/forms">
-  <Display>DocumentLibraryForm</Display>
-  <Edit>DocumentLibraryForm</Edit>
-  <New>DocumentLibraryForm</New>
-</FormTemplates>
+<p:properties xmlns:p="http://schemas.microsoft.com/office/2006/metadata/properties" xmlns:xsi="http://www.w3.org/2001/XMLSchema-instance" xmlns:pc="http://schemas.microsoft.com/office/infopath/2007/PartnerControls">
+  <documentManagement>
+    <VSO_x0020_item_x0020_id xmlns="40262f94-9f35-4ac3-9a90-690165a166b7" xsi:nil="true"/>
+    <Assetid_x0020_ xmlns="40262f94-9f35-4ac3-9a90-690165a166b7" xsi:nil="true"/>
+    <Item_x0020_Details xmlns="40262f94-9f35-4ac3-9a90-690165a166b7" xsi:nil="true"/>
+    <Template_x0020_details xmlns="40262f94-9f35-4ac3-9a90-690165a166b7" xsi:nil="true"/>
+  </documentManagement>
+</p:properties>
 </file>
 
 <file path=customXml/itemProps1.xml><?xml version="1.0" encoding="utf-8"?>
-<ds:datastoreItem xmlns:ds="http://schemas.openxmlformats.org/officeDocument/2006/customXml" ds:itemID="{40B0D886-CB8D-4564-A797-C05BC7D513A8}">
+<ds:datastoreItem xmlns:ds="http://schemas.openxmlformats.org/officeDocument/2006/customXml" ds:itemID="{FAC2023F-644C-4F7E-8E8C-CDBE4A63C7D1}">
   <ds:schemaRefs>
-    <ds:schemaRef ds:uri="http://purl.org/dc/elements/1.1/"/>
-    <ds:schemaRef ds:uri="http://schemas.microsoft.com/office/2006/metadata/properties"/>
-    <ds:schemaRef ds:uri="http://purl.org/dc/terms/"/>
-    <ds:schemaRef ds:uri="http://schemas.openxmlformats.org/package/2006/metadata/core-properties"/>
-    <ds:schemaRef ds:uri="http://schemas.microsoft.com/office/2006/documentManagement/types"/>
-    <ds:schemaRef ds:uri="http://schemas.microsoft.com/office/infopath/2007/PartnerControls"/>
-    <ds:schemaRef ds:uri="40262f94-9f35-4ac3-9a90-690165a166b7"/>
-    <ds:schemaRef ds:uri="a4f35948-e619-41b3-aa29-22878b09cfd2"/>
-    <ds:schemaRef ds:uri="http://www.w3.org/XML/1998/namespace"/>
-    <ds:schemaRef ds:uri="http://purl.org/dc/dcmitype/"/>
+    <ds:schemaRef ds:uri="http://schemas.microsoft.com/sharepoint/v3/contenttype/forms"/>
   </ds:schemaRefs>
 </ds:datastoreItem>
 </file>
@@ -9464,9 +9700,18 @@
 </file>
 
 <file path=customXml/itemProps3.xml><?xml version="1.0" encoding="utf-8"?>
-<ds:datastoreItem xmlns:ds="http://schemas.openxmlformats.org/officeDocument/2006/customXml" ds:itemID="{FAC2023F-644C-4F7E-8E8C-CDBE4A63C7D1}">
+<ds:datastoreItem xmlns:ds="http://schemas.openxmlformats.org/officeDocument/2006/customXml" ds:itemID="{40B0D886-CB8D-4564-A797-C05BC7D513A8}">
   <ds:schemaRefs>
-    <ds:schemaRef ds:uri="http://schemas.microsoft.com/sharepoint/v3/contenttype/forms"/>
+    <ds:schemaRef ds:uri="http://purl.org/dc/elements/1.1/"/>
+    <ds:schemaRef ds:uri="http://schemas.microsoft.com/office/2006/metadata/properties"/>
+    <ds:schemaRef ds:uri="http://purl.org/dc/terms/"/>
+    <ds:schemaRef ds:uri="http://schemas.openxmlformats.org/package/2006/metadata/core-properties"/>
+    <ds:schemaRef ds:uri="http://schemas.microsoft.com/office/2006/documentManagement/types"/>
+    <ds:schemaRef ds:uri="http://schemas.microsoft.com/office/infopath/2007/PartnerControls"/>
+    <ds:schemaRef ds:uri="40262f94-9f35-4ac3-9a90-690165a166b7"/>
+    <ds:schemaRef ds:uri="a4f35948-e619-41b3-aa29-22878b09cfd2"/>
+    <ds:schemaRef ds:uri="http://www.w3.org/XML/1998/namespace"/>
+    <ds:schemaRef ds:uri="http://purl.org/dc/dcmitype/"/>
   </ds:schemaRefs>
 </ds:datastoreItem>
 </file>